--- a/greedy methods/greedy methods.pptx
+++ b/greedy methods/greedy methods.pptx
@@ -138,6 +138,11 @@
       </a:defRPr>
     </a:lvl9pPr>
   </p:defaultTextStyle>
+  <p:extLst>
+    <p:ext uri="{EFAFB233-063F-42B5-8137-9DF3F51BA10A}">
+      <p15:sldGuideLst xmlns:p15="http://schemas.microsoft.com/office/powerpoint/2012/main"/>
+    </p:ext>
+  </p:extLst>
 </p:presentation>
 </file>
 
@@ -223,7 +228,7 @@
           <a:p>
             <a:fld id="{83ECD5AF-24AD-46D9-B1C7-20EEC870A8BA}" type="datetimeFigureOut">
               <a:rPr lang="en-US" smtClean="0"/>
-              <a:t>4/10/2020</a:t>
+              <a:t>4/12/2020</a:t>
             </a:fld>
             <a:endParaRPr lang="en-US"/>
           </a:p>
@@ -721,7 +726,7 @@
           <a:p>
             <a:fld id="{7B21D009-2322-4166-B3A6-8F4E789C8C24}" type="datetimeFigureOut">
               <a:rPr lang="en-US" smtClean="0"/>
-              <a:t>4/10/2020</a:t>
+              <a:t>4/12/2020</a:t>
             </a:fld>
             <a:endParaRPr lang="en-US"/>
           </a:p>
@@ -919,7 +924,7 @@
           <a:p>
             <a:fld id="{7B21D009-2322-4166-B3A6-8F4E789C8C24}" type="datetimeFigureOut">
               <a:rPr lang="en-US" smtClean="0"/>
-              <a:t>4/10/2020</a:t>
+              <a:t>4/12/2020</a:t>
             </a:fld>
             <a:endParaRPr lang="en-US"/>
           </a:p>
@@ -1127,7 +1132,7 @@
           <a:p>
             <a:fld id="{7B21D009-2322-4166-B3A6-8F4E789C8C24}" type="datetimeFigureOut">
               <a:rPr lang="en-US" smtClean="0"/>
-              <a:t>4/10/2020</a:t>
+              <a:t>4/12/2020</a:t>
             </a:fld>
             <a:endParaRPr lang="en-US"/>
           </a:p>
@@ -1325,7 +1330,7 @@
           <a:p>
             <a:fld id="{7B21D009-2322-4166-B3A6-8F4E789C8C24}" type="datetimeFigureOut">
               <a:rPr lang="en-US" smtClean="0"/>
-              <a:t>4/10/2020</a:t>
+              <a:t>4/12/2020</a:t>
             </a:fld>
             <a:endParaRPr lang="en-US"/>
           </a:p>
@@ -1600,7 +1605,7 @@
           <a:p>
             <a:fld id="{7B21D009-2322-4166-B3A6-8F4E789C8C24}" type="datetimeFigureOut">
               <a:rPr lang="en-US" smtClean="0"/>
-              <a:t>4/10/2020</a:t>
+              <a:t>4/12/2020</a:t>
             </a:fld>
             <a:endParaRPr lang="en-US"/>
           </a:p>
@@ -1865,7 +1870,7 @@
           <a:p>
             <a:fld id="{7B21D009-2322-4166-B3A6-8F4E789C8C24}" type="datetimeFigureOut">
               <a:rPr lang="en-US" smtClean="0"/>
-              <a:t>4/10/2020</a:t>
+              <a:t>4/12/2020</a:t>
             </a:fld>
             <a:endParaRPr lang="en-US"/>
           </a:p>
@@ -2277,7 +2282,7 @@
           <a:p>
             <a:fld id="{7B21D009-2322-4166-B3A6-8F4E789C8C24}" type="datetimeFigureOut">
               <a:rPr lang="en-US" smtClean="0"/>
-              <a:t>4/10/2020</a:t>
+              <a:t>4/12/2020</a:t>
             </a:fld>
             <a:endParaRPr lang="en-US"/>
           </a:p>
@@ -2418,7 +2423,7 @@
           <a:p>
             <a:fld id="{7B21D009-2322-4166-B3A6-8F4E789C8C24}" type="datetimeFigureOut">
               <a:rPr lang="en-US" smtClean="0"/>
-              <a:t>4/10/2020</a:t>
+              <a:t>4/12/2020</a:t>
             </a:fld>
             <a:endParaRPr lang="en-US"/>
           </a:p>
@@ -2531,7 +2536,7 @@
           <a:p>
             <a:fld id="{7B21D009-2322-4166-B3A6-8F4E789C8C24}" type="datetimeFigureOut">
               <a:rPr lang="en-US" smtClean="0"/>
-              <a:t>4/10/2020</a:t>
+              <a:t>4/12/2020</a:t>
             </a:fld>
             <a:endParaRPr lang="en-US"/>
           </a:p>
@@ -2842,7 +2847,7 @@
           <a:p>
             <a:fld id="{7B21D009-2322-4166-B3A6-8F4E789C8C24}" type="datetimeFigureOut">
               <a:rPr lang="en-US" smtClean="0"/>
-              <a:t>4/10/2020</a:t>
+              <a:t>4/12/2020</a:t>
             </a:fld>
             <a:endParaRPr lang="en-US"/>
           </a:p>
@@ -3130,7 +3135,7 @@
           <a:p>
             <a:fld id="{7B21D009-2322-4166-B3A6-8F4E789C8C24}" type="datetimeFigureOut">
               <a:rPr lang="en-US" smtClean="0"/>
-              <a:t>4/10/2020</a:t>
+              <a:t>4/12/2020</a:t>
             </a:fld>
             <a:endParaRPr lang="en-US"/>
           </a:p>
@@ -3371,7 +3376,7 @@
           <a:p>
             <a:fld id="{7B21D009-2322-4166-B3A6-8F4E789C8C24}" type="datetimeFigureOut">
               <a:rPr lang="en-US" smtClean="0"/>
-              <a:t>4/10/2020</a:t>
+              <a:t>4/12/2020</a:t>
             </a:fld>
             <a:endParaRPr lang="en-US"/>
           </a:p>
@@ -3812,19 +3817,37 @@
         </p:spPr>
         <p:txBody>
           <a:bodyPr>
-            <a:normAutofit/>
+            <a:normAutofit fontScale="92500" lnSpcReduction="20000"/>
           </a:bodyPr>
           <a:lstStyle/>
           <a:p>
             <a:r>
               <a:rPr lang="en-US" sz="3200" dirty="0"/>
-              <a:t>DIMPAL KATANIYA</a:t>
+              <a:t>SUBMITTED BY - ABHINAV SINGH</a:t>
             </a:r>
           </a:p>
           <a:p>
             <a:r>
               <a:rPr lang="en-US" sz="3200" dirty="0"/>
-              <a:t>CSE 2</a:t>
+              <a:t>                                        roll no. – 181210001</a:t>
+            </a:r>
+          </a:p>
+          <a:p>
+            <a:r>
+              <a:rPr lang="en-US" sz="3200" dirty="0"/>
+              <a:t>                                   DIMPAL KATANIYA</a:t>
+            </a:r>
+          </a:p>
+          <a:p>
+            <a:r>
+              <a:rPr lang="en-US" sz="3200" dirty="0"/>
+              <a:t>                                         roll no. - 181210022</a:t>
+            </a:r>
+          </a:p>
+          <a:p>
+            <a:r>
+              <a:rPr lang="en-US" sz="3200" dirty="0"/>
+              <a:t>                               CSE 2</a:t>
             </a:r>
             <a:r>
               <a:rPr lang="en-US" sz="3200" baseline="30000" dirty="0"/>
@@ -3832,14 +3855,11 @@
             </a:r>
             <a:r>
               <a:rPr lang="en-US" sz="3200" dirty="0"/>
-              <a:t> YEAR</a:t>
-            </a:r>
-          </a:p>
-          <a:p>
-            <a:r>
-              <a:rPr lang="en-US" sz="3200" dirty="0"/>
-              <a:t>APRIL 10, 2020</a:t>
-            </a:r>
+              <a:t> YEAR   </a:t>
+            </a:r>
+          </a:p>
+          <a:p>
+            <a:endParaRPr lang="en-US" sz="3200" dirty="0"/>
           </a:p>
         </p:txBody>
       </p:sp>
@@ -4294,6 +4314,12 @@
           <a:prstGeom prst="rightArrow">
             <a:avLst/>
           </a:prstGeom>
+          <a:solidFill>
+            <a:schemeClr val="accent6">
+              <a:lumMod val="40000"/>
+              <a:lumOff val="60000"/>
+            </a:schemeClr>
+          </a:solidFill>
         </p:spPr>
         <p:style>
           <a:lnRef idx="2">
@@ -4317,7 +4343,13 @@
           <a:p>
             <a:pPr algn="ctr"/>
             <a:r>
-              <a:rPr lang="en-US" dirty="0"/>
+              <a:rPr lang="en-US" dirty="0">
+                <a:solidFill>
+                  <a:schemeClr val="accent6">
+                    <a:lumMod val="50000"/>
+                  </a:schemeClr>
+                </a:solidFill>
+              </a:rPr>
               <a:t>data</a:t>
             </a:r>
           </a:p>
@@ -4343,6 +4375,12 @@
           <a:prstGeom prst="rect">
             <a:avLst/>
           </a:prstGeom>
+          <a:solidFill>
+            <a:schemeClr val="accent6">
+              <a:lumMod val="40000"/>
+              <a:lumOff val="60000"/>
+            </a:schemeClr>
+          </a:solidFill>
         </p:spPr>
         <p:style>
           <a:lnRef idx="2">
@@ -4366,7 +4404,13 @@
           <a:p>
             <a:pPr algn="ctr"/>
             <a:r>
-              <a:rPr lang="en-US" dirty="0"/>
+              <a:rPr lang="en-US" dirty="0">
+                <a:solidFill>
+                  <a:schemeClr val="accent6">
+                    <a:lumMod val="50000"/>
+                  </a:schemeClr>
+                </a:solidFill>
+              </a:rPr>
               <a:t>Huffman algorithm</a:t>
             </a:r>
           </a:p>
@@ -4392,6 +4436,12 @@
           <a:prstGeom prst="rightArrow">
             <a:avLst/>
           </a:prstGeom>
+          <a:solidFill>
+            <a:schemeClr val="accent6">
+              <a:lumMod val="40000"/>
+              <a:lumOff val="60000"/>
+            </a:schemeClr>
+          </a:solidFill>
         </p:spPr>
         <p:style>
           <a:lnRef idx="2">
@@ -4415,7 +4465,13 @@
           <a:p>
             <a:pPr algn="ctr"/>
             <a:r>
-              <a:rPr lang="en-US" dirty="0"/>
+              <a:rPr lang="en-US" dirty="0">
+                <a:solidFill>
+                  <a:schemeClr val="accent6">
+                    <a:lumMod val="50000"/>
+                  </a:schemeClr>
+                </a:solidFill>
+              </a:rPr>
               <a:t>Huffman code</a:t>
             </a:r>
           </a:p>
